--- a/complete/growth_function_and_big_oh.pptx
+++ b/complete/growth_function_and_big_oh.pptx
@@ -13,10 +13,9 @@
     <p:sldId id="259" r:id="rId7"/>
     <p:sldId id="264" r:id="rId8"/>
     <p:sldId id="260" r:id="rId9"/>
-    <p:sldId id="262" r:id="rId10"/>
-    <p:sldId id="263" r:id="rId11"/>
-    <p:sldId id="265" r:id="rId12"/>
-    <p:sldId id="266" r:id="rId13"/>
+    <p:sldId id="263" r:id="rId10"/>
+    <p:sldId id="265" r:id="rId11"/>
+    <p:sldId id="266" r:id="rId12"/>
   </p:sldIdLst>
   <p:sldSz cx="12192000" cy="6858000"/>
   <p:notesSz cx="6858000" cy="9144000"/>
@@ -3244,7 +3243,7 @@
           <a:p>
             <a:fld id="{FA989E66-683F-430C-8095-9C663EABEC3F}" type="datetimeFigureOut">
               <a:rPr lang="en-US" smtClean="0"/>
-              <a:t>7/5/2019</a:t>
+              <a:t>19|7|5</a:t>
             </a:fld>
             <a:endParaRPr lang="en-US"/>
           </a:p>
@@ -3436,7 +3435,7 @@
           <a:p>
             <a:fld id="{FA989E66-683F-430C-8095-9C663EABEC3F}" type="datetimeFigureOut">
               <a:rPr lang="en-US" smtClean="0"/>
-              <a:t>7/5/2019</a:t>
+              <a:t>19|7|5</a:t>
             </a:fld>
             <a:endParaRPr lang="en-US"/>
           </a:p>
@@ -5445,7 +5444,7 @@
           <a:p>
             <a:fld id="{FA989E66-683F-430C-8095-9C663EABEC3F}" type="datetimeFigureOut">
               <a:rPr lang="en-US" smtClean="0"/>
-              <a:t>7/5/2019</a:t>
+              <a:t>19|7|5</a:t>
             </a:fld>
             <a:endParaRPr lang="en-US"/>
           </a:p>
@@ -6283,7 +6282,7 @@
           <a:p>
             <a:fld id="{FA989E66-683F-430C-8095-9C663EABEC3F}" type="datetimeFigureOut">
               <a:rPr lang="en-US" smtClean="0"/>
-              <a:t>7/5/2019</a:t>
+              <a:t>19|7|5</a:t>
             </a:fld>
             <a:endParaRPr lang="en-US"/>
           </a:p>
@@ -6583,7 +6582,7 @@
           <a:p>
             <a:fld id="{FA989E66-683F-430C-8095-9C663EABEC3F}" type="datetimeFigureOut">
               <a:rPr lang="en-US" smtClean="0"/>
-              <a:t>7/5/2019</a:t>
+              <a:t>19|7|5</a:t>
             </a:fld>
             <a:endParaRPr lang="en-US"/>
           </a:p>
@@ -7022,7 +7021,7 @@
           <a:p>
             <a:fld id="{FA989E66-683F-430C-8095-9C663EABEC3F}" type="datetimeFigureOut">
               <a:rPr lang="en-US" smtClean="0"/>
-              <a:t>7/5/2019</a:t>
+              <a:t>19|7|5</a:t>
             </a:fld>
             <a:endParaRPr lang="en-US"/>
           </a:p>
@@ -7152,7 +7151,7 @@
           <a:p>
             <a:fld id="{FA989E66-683F-430C-8095-9C663EABEC3F}" type="datetimeFigureOut">
               <a:rPr lang="en-US" smtClean="0"/>
-              <a:t>7/5/2019</a:t>
+              <a:t>19|7|5</a:t>
             </a:fld>
             <a:endParaRPr lang="en-US"/>
           </a:p>
@@ -7259,7 +7258,7 @@
           <a:p>
             <a:fld id="{FA989E66-683F-430C-8095-9C663EABEC3F}" type="datetimeFigureOut">
               <a:rPr lang="en-US" smtClean="0"/>
-              <a:t>7/5/2019</a:t>
+              <a:t>19|7|5</a:t>
             </a:fld>
             <a:endParaRPr lang="en-US"/>
           </a:p>
@@ -7548,7 +7547,7 @@
           <a:p>
             <a:fld id="{FA989E66-683F-430C-8095-9C663EABEC3F}" type="datetimeFigureOut">
               <a:rPr lang="en-US" smtClean="0"/>
-              <a:t>7/5/2019</a:t>
+              <a:t>19|7|5</a:t>
             </a:fld>
             <a:endParaRPr lang="en-US"/>
           </a:p>
@@ -7817,7 +7816,7 @@
           <a:p>
             <a:fld id="{FA989E66-683F-430C-8095-9C663EABEC3F}" type="datetimeFigureOut">
               <a:rPr lang="en-US" smtClean="0"/>
-              <a:t>7/5/2019</a:t>
+              <a:t>19|7|5</a:t>
             </a:fld>
             <a:endParaRPr lang="en-US"/>
           </a:p>
@@ -8152,7 +8151,7 @@
           <a:p>
             <a:fld id="{FA989E66-683F-430C-8095-9C663EABEC3F}" type="datetimeFigureOut">
               <a:rPr lang="en-US" smtClean="0"/>
-              <a:t>7/5/2019</a:t>
+              <a:t>19|7|5</a:t>
             </a:fld>
             <a:endParaRPr lang="en-US"/>
           </a:p>
@@ -9633,6 +9632,13 @@
   <p:clrMapOvr>
     <a:masterClrMapping/>
   </p:clrMapOvr>
+  <p:timing>
+    <p:tnLst>
+      <p:par>
+        <p:cTn id="1" dur="indefinite" restart="never" nodeType="tmRoot"/>
+      </p:par>
+    </p:tnLst>
+  </p:timing>
 </p:sld>
 </file>
 
@@ -9655,88 +9661,6 @@
       </p:grpSpPr>
       <p:sp>
         <p:nvSpPr>
-          <p:cNvPr id="2" name="Title 1"/>
-          <p:cNvSpPr>
-            <a:spLocks noGrp="1"/>
-          </p:cNvSpPr>
-          <p:nvPr>
-            <p:ph type="title"/>
-          </p:nvPr>
-        </p:nvSpPr>
-        <p:spPr/>
-        <p:txBody>
-          <a:bodyPr/>
-          <a:lstStyle/>
-          <a:p>
-            <a:r>
-              <a:rPr lang="en-US" dirty="0" smtClean="0"/>
-              <a:t>Curve</a:t>
-            </a:r>
-            <a:endParaRPr lang="en-US" dirty="0"/>
-          </a:p>
-        </p:txBody>
-      </p:sp>
-      <p:pic>
-        <p:nvPicPr>
-          <p:cNvPr id="6" name="Content Placeholder 5"/>
-          <p:cNvPicPr>
-            <a:picLocks noGrp="1" noChangeAspect="1"/>
-          </p:cNvPicPr>
-          <p:nvPr>
-            <p:ph idx="1"/>
-          </p:nvPr>
-        </p:nvPicPr>
-        <p:blipFill>
-          <a:blip r:embed="rId2" cstate="print">
-            <a:extLst>
-              <a:ext uri="{28A0092B-C50C-407E-A947-70E740481C1C}">
-                <a14:useLocalDpi xmlns:a14="http://schemas.microsoft.com/office/drawing/2010/main" val="0"/>
-              </a:ext>
-            </a:extLst>
-          </a:blip>
-          <a:stretch>
-            <a:fillRect/>
-          </a:stretch>
-        </p:blipFill>
-        <p:spPr>
-          <a:xfrm>
-            <a:off x="1257304" y="1587902"/>
-            <a:ext cx="7457037" cy="4805128"/>
-          </a:xfrm>
-        </p:spPr>
-      </p:pic>
-    </p:spTree>
-    <p:extLst>
-      <p:ext uri="{BB962C8B-B14F-4D97-AF65-F5344CB8AC3E}">
-        <p14:creationId xmlns:p14="http://schemas.microsoft.com/office/powerpoint/2010/main" val="319799291"/>
-      </p:ext>
-    </p:extLst>
-  </p:cSld>
-  <p:clrMapOvr>
-    <a:masterClrMapping/>
-  </p:clrMapOvr>
-</p:sld>
-</file>
-
-<file path=ppt/slides/slide11.xml><?xml version="1.0" encoding="utf-8"?>
-<p:sld xmlns:a="http://schemas.openxmlformats.org/drawingml/2006/main" xmlns:r="http://schemas.openxmlformats.org/officeDocument/2006/relationships" xmlns:p="http://schemas.openxmlformats.org/presentationml/2006/main">
-  <p:cSld>
-    <p:spTree>
-      <p:nvGrpSpPr>
-        <p:cNvPr id="1" name=""/>
-        <p:cNvGrpSpPr/>
-        <p:nvPr/>
-      </p:nvGrpSpPr>
-      <p:grpSpPr>
-        <a:xfrm>
-          <a:off x="0" y="0"/>
-          <a:ext cx="0" cy="0"/>
-          <a:chOff x="0" y="0"/>
-          <a:chExt cx="0" cy="0"/>
-        </a:xfrm>
-      </p:grpSpPr>
-      <p:sp>
-        <p:nvSpPr>
           <p:cNvPr id="4" name="TextBox 3"/>
           <p:cNvSpPr txBox="1"/>
           <p:nvPr/>
@@ -9780,6 +9704,13 @@
   <p:clrMapOvr>
     <a:masterClrMapping/>
   </p:clrMapOvr>
+  <p:timing>
+    <p:tnLst>
+      <p:par>
+        <p:cTn id="1" dur="indefinite" restart="never" nodeType="tmRoot"/>
+      </p:par>
+    </p:tnLst>
+  </p:timing>
 </p:sld>
 </file>
 
@@ -9894,6 +9825,13 @@
   <p:clrMapOvr>
     <a:masterClrMapping/>
   </p:clrMapOvr>
+  <p:timing>
+    <p:tnLst>
+      <p:par>
+        <p:cTn id="1" dur="indefinite" restart="never" nodeType="tmRoot"/>
+      </p:par>
+    </p:tnLst>
+  </p:timing>
 </p:sld>
 </file>
 
@@ -10742,6 +10680,13 @@
   <p:clrMapOvr>
     <a:masterClrMapping/>
   </p:clrMapOvr>
+  <p:timing>
+    <p:tnLst>
+      <p:par>
+        <p:cTn id="1" dur="indefinite" restart="never" nodeType="tmRoot"/>
+      </p:par>
+    </p:tnLst>
+  </p:timing>
 </p:sld>
 </file>
 
@@ -11567,6 +11512,13 @@
   <p:clrMapOvr>
     <a:masterClrMapping/>
   </p:clrMapOvr>
+  <p:timing>
+    <p:tnLst>
+      <p:par>
+        <p:cTn id="1" dur="indefinite" restart="never" nodeType="tmRoot"/>
+      </p:par>
+    </p:tnLst>
+  </p:timing>
 </p:sld>
 </file>
 
@@ -11674,6 +11626,13 @@
   <p:clrMapOvr>
     <a:masterClrMapping/>
   </p:clrMapOvr>
+  <p:timing>
+    <p:tnLst>
+      <p:par>
+        <p:cTn id="1" dur="indefinite" restart="never" nodeType="tmRoot"/>
+      </p:par>
+    </p:tnLst>
+  </p:timing>
 </p:sld>
 </file>
 
@@ -11766,6 +11725,13 @@
   <p:clrMapOvr>
     <a:masterClrMapping/>
   </p:clrMapOvr>
+  <p:timing>
+    <p:tnLst>
+      <p:par>
+        <p:cTn id="1" dur="indefinite" restart="never" nodeType="tmRoot"/>
+      </p:par>
+    </p:tnLst>
+  </p:timing>
 </p:sld>
 </file>
 
@@ -12159,6 +12125,13 @@
   <p:clrMapOvr>
     <a:masterClrMapping/>
   </p:clrMapOvr>
+  <p:timing>
+    <p:tnLst>
+      <p:par>
+        <p:cTn id="1" dur="indefinite" restart="never" nodeType="tmRoot"/>
+      </p:par>
+    </p:tnLst>
+  </p:timing>
 </p:sld>
 </file>
 
@@ -12195,445 +12168,73 @@
           <a:lstStyle/>
           <a:p>
             <a:r>
-              <a:rPr lang="en-US" sz="4400" dirty="0" smtClean="0"/>
-              <a:t>Theorems</a:t>
-            </a:r>
-            <a:endParaRPr lang="en-US" sz="4400" dirty="0"/>
-          </a:p>
-        </p:txBody>
-      </p:sp>
-      <mc:AlternateContent xmlns:mc="http://schemas.openxmlformats.org/markup-compatibility/2006" xmlns:a14="http://schemas.microsoft.com/office/drawing/2010/main">
-        <mc:Choice Requires="a14">
-          <p:sp>
-            <p:nvSpPr>
-              <p:cNvPr id="3" name="Content Placeholder 2"/>
-              <p:cNvSpPr>
-                <a:spLocks noGrp="1"/>
-              </p:cNvSpPr>
-              <p:nvPr>
-                <p:ph idx="1"/>
-              </p:nvPr>
-            </p:nvSpPr>
-            <p:spPr/>
-            <p:txBody>
-              <a:bodyPr/>
-              <a:lstStyle/>
-              <a:p>
-                <a:r>
-                  <a:rPr lang="en-US" sz="2800" dirty="0" smtClean="0"/>
-                  <a:t>Theorem 1:</a:t>
-                </a:r>
-              </a:p>
-              <a:p>
-                <a:pPr lvl="1"/>
-                <a:r>
-                  <a:rPr lang="en-US" sz="2800" dirty="0">
-                    <a:latin typeface="Cambria" panose="02040503050406030204" pitchFamily="18" charset="0"/>
-                    <a:ea typeface="Cambria" panose="02040503050406030204" pitchFamily="18" charset="0"/>
-                  </a:rPr>
-                  <a:t>If</a:t>
-                </a:r>
-                <a:r>
-                  <a:rPr lang="en-US" sz="2800" dirty="0"/>
-                  <a:t> </a:t>
-                </a:r>
-                <a14:m>
-                  <m:oMath xmlns:m="http://schemas.openxmlformats.org/officeDocument/2006/math">
-                    <m:func>
-                      <m:funcPr>
-                        <m:ctrlPr>
-                          <a:rPr lang="en-US" sz="2800" i="1" smtClean="0">
-                            <a:latin typeface="Cambria Math" panose="02040503050406030204" pitchFamily="18" charset="0"/>
-                          </a:rPr>
-                        </m:ctrlPr>
-                      </m:funcPr>
-                      <m:fName>
-                        <m:limLow>
-                          <m:limLowPr>
-                            <m:ctrlPr>
-                              <a:rPr lang="en-US" sz="2800" i="1" smtClean="0">
-                                <a:latin typeface="Cambria Math" panose="02040503050406030204" pitchFamily="18" charset="0"/>
-                              </a:rPr>
-                            </m:ctrlPr>
-                          </m:limLowPr>
-                          <m:e>
-                            <m:r>
-                              <m:rPr>
-                                <m:sty m:val="p"/>
-                              </m:rPr>
-                              <a:rPr lang="en-US" sz="2800" i="0" smtClean="0">
-                                <a:latin typeface="Cambria Math" panose="02040503050406030204" pitchFamily="18" charset="0"/>
-                              </a:rPr>
-                              <m:t>lim</m:t>
-                            </m:r>
-                          </m:e>
-                          <m:lim>
-                            <m:r>
-                              <a:rPr lang="en-US" sz="2800" b="0" i="1" smtClean="0">
-                                <a:latin typeface="Cambria Math" panose="02040503050406030204" pitchFamily="18" charset="0"/>
-                              </a:rPr>
-                              <m:t>𝑥</m:t>
-                            </m:r>
-                            <m:r>
-                              <a:rPr lang="en-US" sz="2800" i="1" smtClean="0">
-                                <a:latin typeface="Cambria Math" panose="02040503050406030204" pitchFamily="18" charset="0"/>
-                              </a:rPr>
-                              <m:t>→∞</m:t>
-                            </m:r>
-                          </m:lim>
-                        </m:limLow>
-                      </m:fName>
-                      <m:e>
-                        <m:f>
-                          <m:fPr>
-                            <m:ctrlPr>
-                              <a:rPr lang="en-US" sz="2800" i="1" smtClean="0">
-                                <a:latin typeface="Cambria Math" panose="02040503050406030204" pitchFamily="18" charset="0"/>
-                              </a:rPr>
-                            </m:ctrlPr>
-                          </m:fPr>
-                          <m:num>
-                            <m:r>
-                              <a:rPr lang="en-US" sz="2800" i="1">
-                                <a:latin typeface="Cambria Math" panose="02040503050406030204" pitchFamily="18" charset="0"/>
-                              </a:rPr>
-                              <m:t>|</m:t>
-                            </m:r>
-                            <m:r>
-                              <a:rPr lang="en-US" sz="2800" i="1">
-                                <a:latin typeface="Cambria Math" panose="02040503050406030204" pitchFamily="18" charset="0"/>
-                              </a:rPr>
-                              <m:t>𝑓</m:t>
-                            </m:r>
-                            <m:r>
-                              <a:rPr lang="en-US" sz="2800" i="1">
-                                <a:latin typeface="Cambria Math" panose="02040503050406030204" pitchFamily="18" charset="0"/>
-                              </a:rPr>
-                              <m:t>(</m:t>
-                            </m:r>
-                            <m:r>
-                              <a:rPr lang="en-US" sz="2800" i="1">
-                                <a:latin typeface="Cambria Math" panose="02040503050406030204" pitchFamily="18" charset="0"/>
-                              </a:rPr>
-                              <m:t>𝑥</m:t>
-                            </m:r>
-                            <m:r>
-                              <a:rPr lang="en-US" sz="2800" i="1">
-                                <a:latin typeface="Cambria Math" panose="02040503050406030204" pitchFamily="18" charset="0"/>
-                              </a:rPr>
-                              <m:t>)|</m:t>
-                            </m:r>
-                          </m:num>
-                          <m:den>
-                            <m:r>
-                              <a:rPr lang="en-US" sz="2800" i="1">
-                                <a:latin typeface="Cambria Math" panose="02040503050406030204" pitchFamily="18" charset="0"/>
-                              </a:rPr>
-                              <m:t>|</m:t>
-                            </m:r>
-                            <m:r>
-                              <a:rPr lang="en-US" sz="2800" i="1">
-                                <a:latin typeface="Cambria Math" panose="02040503050406030204" pitchFamily="18" charset="0"/>
-                              </a:rPr>
-                              <m:t>𝑔</m:t>
-                            </m:r>
-                            <m:r>
-                              <a:rPr lang="en-US" sz="2800" i="1">
-                                <a:latin typeface="Cambria Math" panose="02040503050406030204" pitchFamily="18" charset="0"/>
-                              </a:rPr>
-                              <m:t>(</m:t>
-                            </m:r>
-                            <m:r>
-                              <a:rPr lang="en-US" sz="2800" i="1">
-                                <a:latin typeface="Cambria Math" panose="02040503050406030204" pitchFamily="18" charset="0"/>
-                              </a:rPr>
-                              <m:t>𝑥</m:t>
-                            </m:r>
-                            <m:r>
-                              <a:rPr lang="en-US" sz="2800" i="1">
-                                <a:latin typeface="Cambria Math" panose="02040503050406030204" pitchFamily="18" charset="0"/>
-                              </a:rPr>
-                              <m:t>)|</m:t>
-                            </m:r>
-                          </m:den>
-                        </m:f>
-                        <m:r>
-                          <a:rPr lang="en-US" sz="2800" b="0" i="1" smtClean="0">
-                            <a:latin typeface="Cambria Math" panose="02040503050406030204" pitchFamily="18" charset="0"/>
-                          </a:rPr>
-                          <m:t>=</m:t>
-                        </m:r>
-                        <m:r>
-                          <a:rPr lang="en-US" sz="2800" b="0" i="1" smtClean="0">
-                            <a:latin typeface="Cambria Math" panose="02040503050406030204" pitchFamily="18" charset="0"/>
-                          </a:rPr>
-                          <m:t>𝐿</m:t>
-                        </m:r>
-                      </m:e>
-                    </m:func>
-                  </m:oMath>
-                </a14:m>
-                <a:r>
-                  <a:rPr lang="en-US" sz="2800" dirty="0" smtClean="0"/>
-                  <a:t>, </a:t>
-                </a:r>
-                <a:r>
-                  <a:rPr lang="en-US" sz="2800" dirty="0" smtClean="0">
-                    <a:latin typeface="Cambria" panose="02040503050406030204" pitchFamily="18" charset="0"/>
-                    <a:ea typeface="Cambria" panose="02040503050406030204" pitchFamily="18" charset="0"/>
-                  </a:rPr>
-                  <a:t>where L≥0, then </a:t>
-                </a:r>
-                <a:r>
-                  <a:rPr lang="en-US" sz="2800" dirty="0" err="1" smtClean="0">
-                    <a:latin typeface="Cambria" panose="02040503050406030204" pitchFamily="18" charset="0"/>
-                    <a:ea typeface="Cambria" panose="02040503050406030204" pitchFamily="18" charset="0"/>
-                  </a:rPr>
-                  <a:t>f∊O</a:t>
-                </a:r>
-                <a:r>
-                  <a:rPr lang="en-US" sz="2800" dirty="0" smtClean="0">
-                    <a:latin typeface="Cambria" panose="02040503050406030204" pitchFamily="18" charset="0"/>
-                    <a:ea typeface="Cambria" panose="02040503050406030204" pitchFamily="18" charset="0"/>
-                  </a:rPr>
-                  <a:t>(g).</a:t>
-                </a:r>
-              </a:p>
-              <a:p>
-                <a:r>
-                  <a:rPr lang="en-US" sz="2800" dirty="0" smtClean="0">
-                    <a:ea typeface="Cambria" panose="02040503050406030204" pitchFamily="18" charset="0"/>
-                  </a:rPr>
-                  <a:t>Theorem 2:</a:t>
-                </a:r>
-              </a:p>
-              <a:p>
-                <a:pPr lvl="1"/>
-                <a:r>
-                  <a:rPr lang="en-US" sz="2800" dirty="0">
-                    <a:latin typeface="Cambria" panose="02040503050406030204" pitchFamily="18" charset="0"/>
-                    <a:ea typeface="Cambria" panose="02040503050406030204" pitchFamily="18" charset="0"/>
-                  </a:rPr>
-                  <a:t>If</a:t>
-                </a:r>
-                <a:r>
-                  <a:rPr lang="en-US" sz="2800" dirty="0"/>
-                  <a:t> </a:t>
-                </a:r>
-                <a14:m>
-                  <m:oMath xmlns:m="http://schemas.openxmlformats.org/officeDocument/2006/math">
-                    <m:func>
-                      <m:funcPr>
-                        <m:ctrlPr>
-                          <a:rPr lang="en-US" sz="2800" i="1">
-                            <a:latin typeface="Cambria Math" panose="02040503050406030204" pitchFamily="18" charset="0"/>
-                          </a:rPr>
-                        </m:ctrlPr>
-                      </m:funcPr>
-                      <m:fName>
-                        <m:limLow>
-                          <m:limLowPr>
-                            <m:ctrlPr>
-                              <a:rPr lang="en-US" sz="2800" i="1">
-                                <a:latin typeface="Cambria Math" panose="02040503050406030204" pitchFamily="18" charset="0"/>
-                              </a:rPr>
-                            </m:ctrlPr>
-                          </m:limLowPr>
-                          <m:e>
-                            <m:r>
-                              <m:rPr>
-                                <m:sty m:val="p"/>
-                              </m:rPr>
-                              <a:rPr lang="en-US" sz="2800">
-                                <a:latin typeface="Cambria Math" panose="02040503050406030204" pitchFamily="18" charset="0"/>
-                              </a:rPr>
-                              <m:t>lim</m:t>
-                            </m:r>
-                          </m:e>
-                          <m:lim>
-                            <m:r>
-                              <a:rPr lang="en-US" sz="2800" i="1">
-                                <a:latin typeface="Cambria Math" panose="02040503050406030204" pitchFamily="18" charset="0"/>
-                              </a:rPr>
-                              <m:t>𝑥</m:t>
-                            </m:r>
-                            <m:r>
-                              <a:rPr lang="en-US" sz="2800" i="1">
-                                <a:latin typeface="Cambria Math" panose="02040503050406030204" pitchFamily="18" charset="0"/>
-                              </a:rPr>
-                              <m:t>→∞</m:t>
-                            </m:r>
-                          </m:lim>
-                        </m:limLow>
-                      </m:fName>
-                      <m:e>
-                        <m:f>
-                          <m:fPr>
-                            <m:ctrlPr>
-                              <a:rPr lang="en-US" sz="2800" i="1">
-                                <a:latin typeface="Cambria Math" panose="02040503050406030204" pitchFamily="18" charset="0"/>
-                              </a:rPr>
-                            </m:ctrlPr>
-                          </m:fPr>
-                          <m:num>
-                            <m:r>
-                              <a:rPr lang="en-US" sz="2800" i="1">
-                                <a:latin typeface="Cambria Math" panose="02040503050406030204" pitchFamily="18" charset="0"/>
-                              </a:rPr>
-                              <m:t>|</m:t>
-                            </m:r>
-                            <m:r>
-                              <a:rPr lang="en-US" sz="2800" i="1">
-                                <a:latin typeface="Cambria Math" panose="02040503050406030204" pitchFamily="18" charset="0"/>
-                              </a:rPr>
-                              <m:t>𝑓</m:t>
-                            </m:r>
-                            <m:r>
-                              <a:rPr lang="en-US" sz="2800" i="1">
-                                <a:latin typeface="Cambria Math" panose="02040503050406030204" pitchFamily="18" charset="0"/>
-                              </a:rPr>
-                              <m:t>(</m:t>
-                            </m:r>
-                            <m:r>
-                              <a:rPr lang="en-US" sz="2800" i="1">
-                                <a:latin typeface="Cambria Math" panose="02040503050406030204" pitchFamily="18" charset="0"/>
-                              </a:rPr>
-                              <m:t>𝑥</m:t>
-                            </m:r>
-                            <m:r>
-                              <a:rPr lang="en-US" sz="2800" i="1">
-                                <a:latin typeface="Cambria Math" panose="02040503050406030204" pitchFamily="18" charset="0"/>
-                              </a:rPr>
-                              <m:t>)|</m:t>
-                            </m:r>
-                          </m:num>
-                          <m:den>
-                            <m:r>
-                              <a:rPr lang="en-US" sz="2800" i="1">
-                                <a:latin typeface="Cambria Math" panose="02040503050406030204" pitchFamily="18" charset="0"/>
-                              </a:rPr>
-                              <m:t>|</m:t>
-                            </m:r>
-                            <m:r>
-                              <a:rPr lang="en-US" sz="2800" i="1">
-                                <a:latin typeface="Cambria Math" panose="02040503050406030204" pitchFamily="18" charset="0"/>
-                              </a:rPr>
-                              <m:t>𝑔</m:t>
-                            </m:r>
-                            <m:r>
-                              <a:rPr lang="en-US" sz="2800" i="1">
-                                <a:latin typeface="Cambria Math" panose="02040503050406030204" pitchFamily="18" charset="0"/>
-                              </a:rPr>
-                              <m:t>(</m:t>
-                            </m:r>
-                            <m:r>
-                              <a:rPr lang="en-US" sz="2800" i="1">
-                                <a:latin typeface="Cambria Math" panose="02040503050406030204" pitchFamily="18" charset="0"/>
-                              </a:rPr>
-                              <m:t>𝑥</m:t>
-                            </m:r>
-                            <m:r>
-                              <a:rPr lang="en-US" sz="2800" i="1">
-                                <a:latin typeface="Cambria Math" panose="02040503050406030204" pitchFamily="18" charset="0"/>
-                              </a:rPr>
-                              <m:t>)|</m:t>
-                            </m:r>
-                          </m:den>
-                        </m:f>
-                        <m:r>
-                          <a:rPr lang="en-US" sz="2800" i="1">
-                            <a:latin typeface="Cambria Math" panose="02040503050406030204" pitchFamily="18" charset="0"/>
-                          </a:rPr>
-                          <m:t>=</m:t>
-                        </m:r>
-                        <m:r>
-                          <a:rPr lang="en-US" sz="2800" i="1" smtClean="0">
-                            <a:latin typeface="Cambria Math" panose="02040503050406030204" pitchFamily="18" charset="0"/>
-                            <a:ea typeface="Cambria Math" panose="02040503050406030204" pitchFamily="18" charset="0"/>
-                          </a:rPr>
-                          <m:t>∞</m:t>
-                        </m:r>
-                      </m:e>
-                    </m:func>
-                  </m:oMath>
-                </a14:m>
-                <a:r>
-                  <a:rPr lang="en-US" sz="2800" dirty="0"/>
-                  <a:t>, </a:t>
-                </a:r>
-                <a:r>
-                  <a:rPr lang="en-US" sz="2800" dirty="0" smtClean="0">
-                    <a:latin typeface="Cambria" panose="02040503050406030204" pitchFamily="18" charset="0"/>
-                    <a:ea typeface="Cambria" panose="02040503050406030204" pitchFamily="18" charset="0"/>
-                  </a:rPr>
-                  <a:t>then f is </a:t>
-                </a:r>
-                <a:r>
-                  <a:rPr lang="en-US" sz="2800" b="1" dirty="0" smtClean="0">
-                    <a:latin typeface="Cambria" panose="02040503050406030204" pitchFamily="18" charset="0"/>
-                    <a:ea typeface="Cambria" panose="02040503050406030204" pitchFamily="18" charset="0"/>
-                  </a:rPr>
-                  <a:t>not</a:t>
-                </a:r>
-                <a:r>
-                  <a:rPr lang="en-US" sz="2800" dirty="0" smtClean="0">
-                    <a:latin typeface="Cambria" panose="02040503050406030204" pitchFamily="18" charset="0"/>
-                    <a:ea typeface="Cambria" panose="02040503050406030204" pitchFamily="18" charset="0"/>
-                  </a:rPr>
-                  <a:t> O(g) (f∉(O(g)).</a:t>
-                </a:r>
-                <a:endParaRPr lang="en-US" sz="2800" dirty="0">
-                  <a:latin typeface="Cambria" panose="02040503050406030204" pitchFamily="18" charset="0"/>
-                  <a:ea typeface="Cambria" panose="02040503050406030204" pitchFamily="18" charset="0"/>
-                </a:endParaRPr>
-              </a:p>
-            </p:txBody>
-          </p:sp>
-        </mc:Choice>
-        <mc:Fallback xmlns="">
-          <p:sp>
-            <p:nvSpPr>
-              <p:cNvPr id="3" name="Content Placeholder 2"/>
-              <p:cNvSpPr>
-                <a:spLocks noGrp="1" noRot="1" noChangeAspect="1" noMove="1" noResize="1" noEditPoints="1" noAdjustHandles="1" noChangeArrowheads="1" noChangeShapeType="1" noTextEdit="1"/>
-              </p:cNvSpPr>
-              <p:nvPr>
-                <p:ph idx="1"/>
-              </p:nvPr>
-            </p:nvSpPr>
-            <p:spPr>
-              <a:blipFill rotWithShape="0">
-                <a:blip r:embed="rId2"/>
-                <a:stretch>
-                  <a:fillRect l="-1002" t="-1578"/>
-                </a:stretch>
-              </a:blipFill>
-            </p:spPr>
-            <p:txBody>
-              <a:bodyPr/>
-              <a:lstStyle/>
-              <a:p>
-                <a:r>
-                  <a:rPr lang="en-US">
-                    <a:noFill/>
-                  </a:rPr>
-                  <a:t> </a:t>
-                </a:r>
-              </a:p>
-            </p:txBody>
-          </p:sp>
-        </mc:Fallback>
-      </mc:AlternateContent>
+              <a:rPr lang="en-US" dirty="0" smtClean="0"/>
+              <a:t>Significance</a:t>
+            </a:r>
+            <a:endParaRPr lang="en-US" dirty="0"/>
+          </a:p>
+        </p:txBody>
+      </p:sp>
+      <p:sp>
+        <p:nvSpPr>
+          <p:cNvPr id="3" name="Content Placeholder 2"/>
+          <p:cNvSpPr>
+            <a:spLocks noGrp="1"/>
+          </p:cNvSpPr>
+          <p:nvPr>
+            <p:ph idx="1"/>
+          </p:nvPr>
+        </p:nvSpPr>
+        <p:spPr/>
+        <p:txBody>
+          <a:bodyPr/>
+          <a:lstStyle/>
+          <a:p>
+            <a:r>
+              <a:rPr lang="en-US" dirty="0" smtClean="0"/>
+              <a:t>allows us </a:t>
+            </a:r>
+            <a:r>
+              <a:rPr lang="en-US" dirty="0"/>
+              <a:t>to analyze algorithms in terms of overall efficiency and </a:t>
+            </a:r>
+            <a:r>
+              <a:rPr lang="en-US" dirty="0" smtClean="0"/>
+              <a:t>scalability.</a:t>
+            </a:r>
+          </a:p>
+          <a:p>
+            <a:endParaRPr lang="en-US" dirty="0"/>
+          </a:p>
+          <a:p>
+            <a:r>
+              <a:rPr lang="en-US" dirty="0" smtClean="0"/>
+              <a:t>focuses </a:t>
+            </a:r>
+            <a:r>
+              <a:rPr lang="en-US" dirty="0"/>
+              <a:t>on the inherent efficiency of the algorithm and how it varies according to the size of the input.</a:t>
+            </a:r>
+          </a:p>
+        </p:txBody>
+      </p:sp>
     </p:spTree>
     <p:extLst>
       <p:ext uri="{BB962C8B-B14F-4D97-AF65-F5344CB8AC3E}">
-        <p14:creationId xmlns:p14="http://schemas.microsoft.com/office/powerpoint/2010/main" val="3418849771"/>
+        <p14:creationId xmlns:p14="http://schemas.microsoft.com/office/powerpoint/2010/main" val="2703448238"/>
       </p:ext>
     </p:extLst>
   </p:cSld>
   <p:clrMapOvr>
     <a:masterClrMapping/>
   </p:clrMapOvr>
+  <p:timing>
+    <p:tnLst>
+      <p:par>
+        <p:cTn id="1" dur="indefinite" restart="never" nodeType="tmRoot"/>
+      </p:par>
+    </p:tnLst>
+  </p:timing>
 </p:sld>
 </file>
 
@@ -12671,65 +12272,58 @@
           <a:p>
             <a:r>
               <a:rPr lang="en-US" dirty="0" smtClean="0"/>
-              <a:t>Significance</a:t>
+              <a:t>Curve</a:t>
             </a:r>
             <a:endParaRPr lang="en-US" dirty="0"/>
           </a:p>
         </p:txBody>
       </p:sp>
-      <p:sp>
-        <p:nvSpPr>
-          <p:cNvPr id="3" name="Content Placeholder 2"/>
-          <p:cNvSpPr>
-            <a:spLocks noGrp="1"/>
-          </p:cNvSpPr>
+      <p:pic>
+        <p:nvPicPr>
+          <p:cNvPr id="6" name="Content Placeholder 5"/>
+          <p:cNvPicPr>
+            <a:picLocks noGrp="1" noChangeAspect="1"/>
+          </p:cNvPicPr>
           <p:nvPr>
             <p:ph idx="1"/>
           </p:nvPr>
-        </p:nvSpPr>
-        <p:spPr/>
-        <p:txBody>
-          <a:bodyPr/>
-          <a:lstStyle/>
-          <a:p>
-            <a:r>
-              <a:rPr lang="en-US" dirty="0" smtClean="0"/>
-              <a:t>allows us </a:t>
-            </a:r>
-            <a:r>
-              <a:rPr lang="en-US" dirty="0"/>
-              <a:t>to analyze algorithms in terms of overall efficiency and </a:t>
-            </a:r>
-            <a:r>
-              <a:rPr lang="en-US" dirty="0" smtClean="0"/>
-              <a:t>scalability.</a:t>
-            </a:r>
-          </a:p>
-          <a:p>
-            <a:endParaRPr lang="en-US" dirty="0"/>
-          </a:p>
-          <a:p>
-            <a:r>
-              <a:rPr lang="en-US" dirty="0" smtClean="0"/>
-              <a:t>focuses </a:t>
-            </a:r>
-            <a:r>
-              <a:rPr lang="en-US" dirty="0"/>
-              <a:t>on the inherent efficiency of the algorithm and how it varies according to the size of the input.</a:t>
-            </a:r>
-          </a:p>
-        </p:txBody>
-      </p:sp>
+        </p:nvPicPr>
+        <p:blipFill>
+          <a:blip r:embed="rId2" cstate="print">
+            <a:extLst>
+              <a:ext uri="{28A0092B-C50C-407E-A947-70E740481C1C}">
+                <a14:useLocalDpi xmlns:a14="http://schemas.microsoft.com/office/drawing/2010/main" val="0"/>
+              </a:ext>
+            </a:extLst>
+          </a:blip>
+          <a:stretch>
+            <a:fillRect/>
+          </a:stretch>
+        </p:blipFill>
+        <p:spPr>
+          <a:xfrm>
+            <a:off x="1257304" y="1587902"/>
+            <a:ext cx="7457037" cy="4805128"/>
+          </a:xfrm>
+        </p:spPr>
+      </p:pic>
     </p:spTree>
     <p:extLst>
       <p:ext uri="{BB962C8B-B14F-4D97-AF65-F5344CB8AC3E}">
-        <p14:creationId xmlns:p14="http://schemas.microsoft.com/office/powerpoint/2010/main" val="2703448238"/>
+        <p14:creationId xmlns:p14="http://schemas.microsoft.com/office/powerpoint/2010/main" val="319799291"/>
       </p:ext>
     </p:extLst>
   </p:cSld>
   <p:clrMapOvr>
     <a:masterClrMapping/>
   </p:clrMapOvr>
+  <p:timing>
+    <p:tnLst>
+      <p:par>
+        <p:cTn id="1" dur="indefinite" restart="never" nodeType="tmRoot"/>
+      </p:par>
+    </p:tnLst>
+  </p:timing>
 </p:sld>
 </file>
 
